--- a/study-note/데이터베이스/2022-09-01 내용정리.pptx
+++ b/study-note/데이터베이스/2022-09-01 내용정리.pptx
@@ -14821,18 +14821,18 @@
           <a:p>
             <a:pPr algn="ctr"/>
             <a:r>
-              <a:rPr kumimoji="1" lang="en-US" altLang="ko-KR" sz="1400" dirty="0"/>
+              <a:rPr kumimoji="1" lang="en-US" altLang="ko-KR" sz="1400" b="1" dirty="0"/>
               <a:t>2.</a:t>
             </a:r>
             <a:r>
-              <a:rPr kumimoji="1" lang="ko-KR" altLang="en-US" sz="1400" dirty="0"/>
+              <a:rPr kumimoji="1" lang="ko-KR" altLang="en-US" sz="1400" b="1" dirty="0"/>
               <a:t> </a:t>
             </a:r>
             <a:r>
-              <a:rPr kumimoji="1" lang="en-US" altLang="ko-KR" sz="1400" dirty="0"/>
+              <a:rPr kumimoji="1" lang="en-US" altLang="ko-KR" sz="1400" b="1" dirty="0"/>
               <a:t>group by</a:t>
             </a:r>
-            <a:endParaRPr kumimoji="1" lang="ko-Kore-KR" altLang="en-US" sz="1400" dirty="0"/>
+            <a:endParaRPr kumimoji="1" lang="ko-Kore-KR" altLang="en-US" sz="1400" b="1" dirty="0"/>
           </a:p>
         </p:txBody>
       </p:sp>
@@ -14851,7 +14851,7 @@
         <p:spPr>
           <a:xfrm>
             <a:off x="509327" y="3785190"/>
-            <a:ext cx="2381694" cy="1754326"/>
+            <a:ext cx="2891022" cy="1754326"/>
           </a:xfrm>
           <a:prstGeom prst="rect">
             <a:avLst/>
@@ -14919,6 +14919,14 @@
           </a:p>
           <a:p>
             <a:r>
+              <a:rPr kumimoji="1" lang="en-US" altLang="ko-Kore-KR" dirty="0">
+                <a:solidFill>
+                  <a:srgbClr val="FF0000"/>
+                </a:solidFill>
+              </a:rPr>
+              <a:t>2. </a:t>
+            </a:r>
+            <a:r>
               <a:rPr kumimoji="1" lang="en-US" altLang="ko-Kore-KR" dirty="0"/>
               <a:t>group by </a:t>
             </a:r>
@@ -14930,16 +14938,16 @@
           </a:p>
           <a:p>
             <a:r>
+              <a:rPr kumimoji="1" lang="en-US" altLang="ko-Kore-KR" dirty="0">
+                <a:solidFill>
+                  <a:srgbClr val="FF0000"/>
+                </a:solidFill>
+              </a:rPr>
+              <a:t>3. </a:t>
+            </a:r>
+            <a:r>
               <a:rPr kumimoji="1" lang="en-US" altLang="ko-Kore-KR" dirty="0"/>
-              <a:t>having </a:t>
-            </a:r>
-            <a:r>
-              <a:rPr kumimoji="1" lang="en-US" altLang="ko-Kore-KR" dirty="0" err="1"/>
-              <a:t>cnt</a:t>
-            </a:r>
-            <a:r>
-              <a:rPr kumimoji="1" lang="en-US" altLang="ko-Kore-KR" dirty="0"/>
-              <a:t> &gt;3;</a:t>
+              <a:t>having count(*) &gt;3;</a:t>
             </a:r>
             <a:endParaRPr kumimoji="1" lang="ko-Kore-KR" altLang="en-US" dirty="0"/>
           </a:p>
@@ -15344,18 +15352,18 @@
           <a:p>
             <a:pPr algn="ctr"/>
             <a:r>
-              <a:rPr kumimoji="1" lang="en-US" altLang="ko-KR" sz="1400" dirty="0"/>
+              <a:rPr kumimoji="1" lang="en-US" altLang="ko-KR" sz="1400" b="1" dirty="0"/>
               <a:t>3.</a:t>
             </a:r>
             <a:r>
-              <a:rPr kumimoji="1" lang="ko-KR" altLang="en-US" sz="1400" dirty="0"/>
+              <a:rPr kumimoji="1" lang="ko-KR" altLang="en-US" sz="1400" b="1" dirty="0"/>
               <a:t> </a:t>
             </a:r>
             <a:r>
-              <a:rPr kumimoji="1" lang="en-US" altLang="ko-KR" sz="1400" dirty="0"/>
+              <a:rPr kumimoji="1" lang="en-US" altLang="ko-KR" sz="1400" b="1" dirty="0"/>
               <a:t>having</a:t>
             </a:r>
-            <a:endParaRPr kumimoji="1" lang="ko-Kore-KR" altLang="en-US" sz="1400" dirty="0"/>
+            <a:endParaRPr kumimoji="1" lang="ko-Kore-KR" altLang="en-US" sz="1400" b="1" dirty="0"/>
           </a:p>
         </p:txBody>
       </p:sp>
@@ -15547,10 +15555,10 @@
           <a:p>
             <a:pPr algn="ctr"/>
             <a:r>
-              <a:rPr kumimoji="1" lang="en-US" altLang="ko-KR" sz="1400" dirty="0"/>
+              <a:rPr kumimoji="1" lang="en-US" altLang="ko-KR" sz="1400" b="1" dirty="0"/>
               <a:t>count(*)</a:t>
             </a:r>
-            <a:endParaRPr kumimoji="1" lang="ko-Kore-KR" altLang="en-US" sz="1400" dirty="0"/>
+            <a:endParaRPr kumimoji="1" lang="ko-Kore-KR" altLang="en-US" sz="1400" b="1" dirty="0"/>
           </a:p>
         </p:txBody>
       </p:sp>
